--- a/outputs/figures.pptx
+++ b/outputs/figures.pptx
@@ -259,7 +259,7 @@
           <a:p>
             <a:fld id="{357BABB2-70E0-48CF-AB0F-EB838B979B45}" type="datetimeFigureOut">
               <a:rPr lang="en-US" smtClean="0"/>
-              <a:t>6/17/2024</a:t>
+              <a:t>6/20/2024</a:t>
             </a:fld>
             <a:endParaRPr lang="en-US"/>
           </a:p>
@@ -457,7 +457,7 @@
           <a:p>
             <a:fld id="{357BABB2-70E0-48CF-AB0F-EB838B979B45}" type="datetimeFigureOut">
               <a:rPr lang="en-US" smtClean="0"/>
-              <a:t>6/17/2024</a:t>
+              <a:t>6/20/2024</a:t>
             </a:fld>
             <a:endParaRPr lang="en-US"/>
           </a:p>
@@ -665,7 +665,7 @@
           <a:p>
             <a:fld id="{357BABB2-70E0-48CF-AB0F-EB838B979B45}" type="datetimeFigureOut">
               <a:rPr lang="en-US" smtClean="0"/>
-              <a:t>6/17/2024</a:t>
+              <a:t>6/20/2024</a:t>
             </a:fld>
             <a:endParaRPr lang="en-US"/>
           </a:p>
@@ -863,7 +863,7 @@
           <a:p>
             <a:fld id="{357BABB2-70E0-48CF-AB0F-EB838B979B45}" type="datetimeFigureOut">
               <a:rPr lang="en-US" smtClean="0"/>
-              <a:t>6/17/2024</a:t>
+              <a:t>6/20/2024</a:t>
             </a:fld>
             <a:endParaRPr lang="en-US"/>
           </a:p>
@@ -1138,7 +1138,7 @@
           <a:p>
             <a:fld id="{357BABB2-70E0-48CF-AB0F-EB838B979B45}" type="datetimeFigureOut">
               <a:rPr lang="en-US" smtClean="0"/>
-              <a:t>6/17/2024</a:t>
+              <a:t>6/20/2024</a:t>
             </a:fld>
             <a:endParaRPr lang="en-US"/>
           </a:p>
@@ -1403,7 +1403,7 @@
           <a:p>
             <a:fld id="{357BABB2-70E0-48CF-AB0F-EB838B979B45}" type="datetimeFigureOut">
               <a:rPr lang="en-US" smtClean="0"/>
-              <a:t>6/17/2024</a:t>
+              <a:t>6/20/2024</a:t>
             </a:fld>
             <a:endParaRPr lang="en-US"/>
           </a:p>
@@ -1815,7 +1815,7 @@
           <a:p>
             <a:fld id="{357BABB2-70E0-48CF-AB0F-EB838B979B45}" type="datetimeFigureOut">
               <a:rPr lang="en-US" smtClean="0"/>
-              <a:t>6/17/2024</a:t>
+              <a:t>6/20/2024</a:t>
             </a:fld>
             <a:endParaRPr lang="en-US"/>
           </a:p>
@@ -1956,7 +1956,7 @@
           <a:p>
             <a:fld id="{357BABB2-70E0-48CF-AB0F-EB838B979B45}" type="datetimeFigureOut">
               <a:rPr lang="en-US" smtClean="0"/>
-              <a:t>6/17/2024</a:t>
+              <a:t>6/20/2024</a:t>
             </a:fld>
             <a:endParaRPr lang="en-US"/>
           </a:p>
@@ -2069,7 +2069,7 @@
           <a:p>
             <a:fld id="{357BABB2-70E0-48CF-AB0F-EB838B979B45}" type="datetimeFigureOut">
               <a:rPr lang="en-US" smtClean="0"/>
-              <a:t>6/17/2024</a:t>
+              <a:t>6/20/2024</a:t>
             </a:fld>
             <a:endParaRPr lang="en-US"/>
           </a:p>
@@ -2380,7 +2380,7 @@
           <a:p>
             <a:fld id="{357BABB2-70E0-48CF-AB0F-EB838B979B45}" type="datetimeFigureOut">
               <a:rPr lang="en-US" smtClean="0"/>
-              <a:t>6/17/2024</a:t>
+              <a:t>6/20/2024</a:t>
             </a:fld>
             <a:endParaRPr lang="en-US"/>
           </a:p>
@@ -2668,7 +2668,7 @@
           <a:p>
             <a:fld id="{357BABB2-70E0-48CF-AB0F-EB838B979B45}" type="datetimeFigureOut">
               <a:rPr lang="en-US" smtClean="0"/>
-              <a:t>6/17/2024</a:t>
+              <a:t>6/20/2024</a:t>
             </a:fld>
             <a:endParaRPr lang="en-US"/>
           </a:p>
@@ -2909,7 +2909,7 @@
           <a:p>
             <a:fld id="{357BABB2-70E0-48CF-AB0F-EB838B979B45}" type="datetimeFigureOut">
               <a:rPr lang="en-US" smtClean="0"/>
-              <a:t>6/17/2024</a:t>
+              <a:t>6/20/2024</a:t>
             </a:fld>
             <a:endParaRPr lang="en-US"/>
           </a:p>
@@ -3340,7 +3340,7 @@
         </p:nvGrpSpPr>
         <p:grpSpPr>
           <a:xfrm>
-            <a:off x="8575829" y="3230968"/>
+            <a:off x="8575236" y="3314678"/>
             <a:ext cx="1339853" cy="737375"/>
             <a:chOff x="8480425" y="1865035"/>
             <a:chExt cx="1339853" cy="737375"/>
@@ -3887,10 +3887,10 @@
       </p:grpSp>
       <p:pic>
         <p:nvPicPr>
-          <p:cNvPr id="4" name="Picture 3" descr="A group of graphs showing different types of lines&#10;&#10;Description automatically generated with medium confidence">
-            <a:extLst>
-              <a:ext uri="{FF2B5EF4-FFF2-40B4-BE49-F238E27FC236}">
-                <a16:creationId xmlns:a16="http://schemas.microsoft.com/office/drawing/2014/main" id="{A2F5ABD9-DF7D-5983-609C-E64915F57CF9}"/>
+          <p:cNvPr id="3" name="Picture 2" descr="A group of graphs showing different types of lines&#10;&#10;Description automatically generated with medium confidence">
+            <a:extLst>
+              <a:ext uri="{FF2B5EF4-FFF2-40B4-BE49-F238E27FC236}">
+                <a16:creationId xmlns:a16="http://schemas.microsoft.com/office/drawing/2014/main" id="{2D339AB9-82CA-9C1C-8FC9-23715853AF4D}"/>
               </a:ext>
             </a:extLst>
           </p:cNvPr>
@@ -3913,8 +3913,8 @@
         </p:blipFill>
         <p:spPr>
           <a:xfrm>
-            <a:off x="1519676" y="1018989"/>
-            <a:ext cx="6982415" cy="5236812"/>
+            <a:off x="1917794" y="1268781"/>
+            <a:ext cx="6583279" cy="4937459"/>
           </a:xfrm>
           <a:prstGeom prst="rect">
             <a:avLst/>
